--- a/Abt Project/Преза инвид проект.pptx
+++ b/Abt Project/Преза инвид проект.pptx
@@ -6,10 +6,11 @@
   </p:sldMasterIdLst>
   <p:sldIdLst>
     <p:sldId id="256" r:id="rId2"/>
-    <p:sldId id="257" r:id="rId3"/>
-    <p:sldId id="258" r:id="rId4"/>
-    <p:sldId id="259" r:id="rId5"/>
-    <p:sldId id="260" r:id="rId6"/>
+    <p:sldId id="258" r:id="rId3"/>
+    <p:sldId id="259" r:id="rId4"/>
+    <p:sldId id="260" r:id="rId5"/>
+    <p:sldId id="261" r:id="rId6"/>
+    <p:sldId id="262" r:id="rId7"/>
   </p:sldIdLst>
   <p:sldSz cx="12192000" cy="6858000"/>
   <p:notesSz cx="6858000" cy="9144000"/>
@@ -263,7 +264,7 @@
           <a:p>
             <a:fld id="{289A0571-915D-4976-8B8A-74293FCB61F0}" type="datetimeFigureOut">
               <a:rPr lang="ru-RU" smtClean="0"/>
-              <a:t>30.04.2023</a:t>
+              <a:t>12.05.2023</a:t>
             </a:fld>
             <a:endParaRPr lang="ru-RU"/>
           </a:p>
@@ -461,7 +462,7 @@
           <a:p>
             <a:fld id="{289A0571-915D-4976-8B8A-74293FCB61F0}" type="datetimeFigureOut">
               <a:rPr lang="ru-RU" smtClean="0"/>
-              <a:t>30.04.2023</a:t>
+              <a:t>12.05.2023</a:t>
             </a:fld>
             <a:endParaRPr lang="ru-RU"/>
           </a:p>
@@ -669,7 +670,7 @@
           <a:p>
             <a:fld id="{289A0571-915D-4976-8B8A-74293FCB61F0}" type="datetimeFigureOut">
               <a:rPr lang="ru-RU" smtClean="0"/>
-              <a:t>30.04.2023</a:t>
+              <a:t>12.05.2023</a:t>
             </a:fld>
             <a:endParaRPr lang="ru-RU"/>
           </a:p>
@@ -867,7 +868,7 @@
           <a:p>
             <a:fld id="{289A0571-915D-4976-8B8A-74293FCB61F0}" type="datetimeFigureOut">
               <a:rPr lang="ru-RU" smtClean="0"/>
-              <a:t>30.04.2023</a:t>
+              <a:t>12.05.2023</a:t>
             </a:fld>
             <a:endParaRPr lang="ru-RU"/>
           </a:p>
@@ -1142,7 +1143,7 @@
           <a:p>
             <a:fld id="{289A0571-915D-4976-8B8A-74293FCB61F0}" type="datetimeFigureOut">
               <a:rPr lang="ru-RU" smtClean="0"/>
-              <a:t>30.04.2023</a:t>
+              <a:t>12.05.2023</a:t>
             </a:fld>
             <a:endParaRPr lang="ru-RU"/>
           </a:p>
@@ -1407,7 +1408,7 @@
           <a:p>
             <a:fld id="{289A0571-915D-4976-8B8A-74293FCB61F0}" type="datetimeFigureOut">
               <a:rPr lang="ru-RU" smtClean="0"/>
-              <a:t>30.04.2023</a:t>
+              <a:t>12.05.2023</a:t>
             </a:fld>
             <a:endParaRPr lang="ru-RU"/>
           </a:p>
@@ -1819,7 +1820,7 @@
           <a:p>
             <a:fld id="{289A0571-915D-4976-8B8A-74293FCB61F0}" type="datetimeFigureOut">
               <a:rPr lang="ru-RU" smtClean="0"/>
-              <a:t>30.04.2023</a:t>
+              <a:t>12.05.2023</a:t>
             </a:fld>
             <a:endParaRPr lang="ru-RU"/>
           </a:p>
@@ -1960,7 +1961,7 @@
           <a:p>
             <a:fld id="{289A0571-915D-4976-8B8A-74293FCB61F0}" type="datetimeFigureOut">
               <a:rPr lang="ru-RU" smtClean="0"/>
-              <a:t>30.04.2023</a:t>
+              <a:t>12.05.2023</a:t>
             </a:fld>
             <a:endParaRPr lang="ru-RU"/>
           </a:p>
@@ -2073,7 +2074,7 @@
           <a:p>
             <a:fld id="{289A0571-915D-4976-8B8A-74293FCB61F0}" type="datetimeFigureOut">
               <a:rPr lang="ru-RU" smtClean="0"/>
-              <a:t>30.04.2023</a:t>
+              <a:t>12.05.2023</a:t>
             </a:fld>
             <a:endParaRPr lang="ru-RU"/>
           </a:p>
@@ -2384,7 +2385,7 @@
           <a:p>
             <a:fld id="{289A0571-915D-4976-8B8A-74293FCB61F0}" type="datetimeFigureOut">
               <a:rPr lang="ru-RU" smtClean="0"/>
-              <a:t>30.04.2023</a:t>
+              <a:t>12.05.2023</a:t>
             </a:fld>
             <a:endParaRPr lang="ru-RU"/>
           </a:p>
@@ -2672,7 +2673,7 @@
           <a:p>
             <a:fld id="{289A0571-915D-4976-8B8A-74293FCB61F0}" type="datetimeFigureOut">
               <a:rPr lang="ru-RU" smtClean="0"/>
-              <a:t>30.04.2023</a:t>
+              <a:t>12.05.2023</a:t>
             </a:fld>
             <a:endParaRPr lang="ru-RU"/>
           </a:p>
@@ -2929,7 +2930,7 @@
           <a:p>
             <a:fld id="{289A0571-915D-4976-8B8A-74293FCB61F0}" type="datetimeFigureOut">
               <a:rPr lang="ru-RU" smtClean="0"/>
-              <a:t>30.04.2023</a:t>
+              <a:t>12.05.2023</a:t>
             </a:fld>
             <a:endParaRPr lang="ru-RU"/>
           </a:p>
@@ -3541,7 +3542,7 @@
                 </a:solidFill>
                 <a:latin typeface="Arial Black" panose="020B0A04020102020204" pitchFamily="34" charset="0"/>
               </a:rPr>
-              <a:t>Введение</a:t>
+              <a:t>ОСНОВНЫЕ СВЕДЕНИЯ ОБ ИНТЕРНЕТ-МЕССЕНДЖЕРЕ</a:t>
             </a:r>
           </a:p>
         </p:txBody>
@@ -3564,360 +3565,160 @@
         </p:nvSpPr>
         <p:spPr>
           <a:xfrm>
-            <a:off x="838200" y="1690688"/>
-            <a:ext cx="11240729" cy="4351338"/>
+            <a:off x="562993" y="1825625"/>
+            <a:ext cx="4532790" cy="4351338"/>
           </a:xfrm>
         </p:spPr>
         <p:txBody>
           <a:bodyPr>
-            <a:normAutofit fontScale="77500" lnSpcReduction="20000"/>
+            <a:normAutofit/>
           </a:bodyPr>
           <a:lstStyle/>
           <a:p>
-            <a:pPr>
+            <a:pPr marL="0" indent="0">
               <a:lnSpc>
-                <a:spcPct val="130000"/>
+                <a:spcPct val="150000"/>
               </a:lnSpc>
+              <a:buNone/>
             </a:pPr>
             <a:r>
-              <a:rPr lang="ru-RU" dirty="0">
+              <a:rPr lang="ru-RU" sz="2400" dirty="0">
                 <a:solidFill>
                   <a:schemeClr val="bg1"/>
                 </a:solidFill>
-                <a:latin typeface="Helvetica Bold" panose="00000500000000000000" pitchFamily="50" charset="0"/>
-                <a:ea typeface="Helvetica Bold" panose="00000500000000000000" pitchFamily="50" charset="0"/>
+                <a:latin typeface="Arial Black" panose="020B0A04020102020204" pitchFamily="34" charset="0"/>
                 <a:cs typeface="Arial" panose="020B0604020202020204" pitchFamily="34" charset="0"/>
               </a:rPr>
-              <a:t>1. </a:t>
-            </a:r>
-            <a:r>
-              <a:rPr lang="ru-RU" u="sng" dirty="0">
+              <a:t>Преимущества</a:t>
+            </a:r>
+            <a:r>
+              <a:rPr lang="en-US" sz="2400" dirty="0">
                 <a:solidFill>
                   <a:schemeClr val="bg1"/>
                 </a:solidFill>
-                <a:latin typeface="Helvetica Bold" panose="00000500000000000000" pitchFamily="50" charset="0"/>
-                <a:ea typeface="Helvetica Bold" panose="00000500000000000000" pitchFamily="50" charset="0"/>
+                <a:latin typeface="Arial Black" panose="020B0A04020102020204" pitchFamily="34" charset="0"/>
                 <a:cs typeface="Arial" panose="020B0604020202020204" pitchFamily="34" charset="0"/>
-                <a:hlinkClick r:id="rId2" action="ppaction://hlinkfile">
-                  <a:extLst>
-                    <a:ext uri="{A12FA001-AC4F-418D-AE19-62706E023703}">
-                      <ahyp:hlinkClr xmlns:ahyp="http://schemas.microsoft.com/office/drawing/2018/hyperlinkcolor" val="tx"/>
-                    </a:ext>
-                  </a:extLst>
-                </a:hlinkClick>
               </a:rPr>
-              <a:t>ОСНОВНЫЕ СВЕДЕНИЯ ОБ ИНТЕРНЕТ-МЕССЕНДЖЕРЕ</a:t>
-            </a:r>
-            <a:endParaRPr lang="ru-RU" dirty="0">
+              <a:t> Telegram:</a:t>
+            </a:r>
+          </a:p>
+          <a:p>
+            <a:pPr>
+              <a:lnSpc>
+                <a:spcPct val="150000"/>
+              </a:lnSpc>
+            </a:pPr>
+            <a:r>
+              <a:rPr lang="ru-RU" sz="2400" dirty="0">
+                <a:solidFill>
+                  <a:schemeClr val="bg1"/>
+                </a:solidFill>
+                <a:latin typeface="Arial Black" panose="020B0A04020102020204" pitchFamily="34" charset="0"/>
+                <a:cs typeface="Arial" panose="020B0604020202020204" pitchFamily="34" charset="0"/>
+              </a:rPr>
+              <a:t>Уникальный протокол</a:t>
+            </a:r>
+          </a:p>
+          <a:p>
+            <a:pPr>
+              <a:lnSpc>
+                <a:spcPct val="150000"/>
+              </a:lnSpc>
+            </a:pPr>
+            <a:r>
+              <a:rPr lang="ru-RU" sz="2400" dirty="0">
+                <a:solidFill>
+                  <a:schemeClr val="bg1"/>
+                </a:solidFill>
+                <a:latin typeface="Arial Black" panose="020B0A04020102020204" pitchFamily="34" charset="0"/>
+                <a:cs typeface="Arial" panose="020B0604020202020204" pitchFamily="34" charset="0"/>
+              </a:rPr>
+              <a:t>Быстрота и безопасность</a:t>
+            </a:r>
+          </a:p>
+          <a:p>
+            <a:pPr>
+              <a:lnSpc>
+                <a:spcPct val="150000"/>
+              </a:lnSpc>
+            </a:pPr>
+            <a:r>
+              <a:rPr lang="ru-RU" sz="2400" dirty="0">
+                <a:solidFill>
+                  <a:schemeClr val="bg1"/>
+                </a:solidFill>
+                <a:latin typeface="Arial Black" panose="020B0A04020102020204" pitchFamily="34" charset="0"/>
+                <a:cs typeface="Arial" panose="020B0604020202020204" pitchFamily="34" charset="0"/>
+              </a:rPr>
+              <a:t>Видео и аудио звонки</a:t>
+            </a:r>
+          </a:p>
+          <a:p>
+            <a:pPr>
+              <a:lnSpc>
+                <a:spcPct val="150000"/>
+              </a:lnSpc>
+            </a:pPr>
+            <a:r>
+              <a:rPr lang="ru-RU" sz="2400" dirty="0">
+                <a:solidFill>
+                  <a:schemeClr val="bg1"/>
+                </a:solidFill>
+                <a:latin typeface="Arial Black" panose="020B0A04020102020204" pitchFamily="34" charset="0"/>
+                <a:cs typeface="Arial" panose="020B0604020202020204" pitchFamily="34" charset="0"/>
+              </a:rPr>
+              <a:t>Доступность</a:t>
+            </a:r>
+            <a:endParaRPr lang="en-US" sz="2400" dirty="0">
               <a:solidFill>
                 <a:schemeClr val="bg1"/>
               </a:solidFill>
-              <a:latin typeface="Helvetica Bold" panose="00000500000000000000" pitchFamily="50" charset="0"/>
-              <a:ea typeface="Helvetica Bold" panose="00000500000000000000" pitchFamily="50" charset="0"/>
+              <a:latin typeface="Arial Black" panose="020B0A04020102020204" pitchFamily="34" charset="0"/>
               <a:cs typeface="Arial" panose="020B0604020202020204" pitchFamily="34" charset="0"/>
             </a:endParaRPr>
           </a:p>
-          <a:p>
-            <a:pPr>
-              <a:lnSpc>
-                <a:spcPct val="130000"/>
-              </a:lnSpc>
-            </a:pPr>
-            <a:r>
-              <a:rPr lang="ru-RU" u="sng" dirty="0">
-                <a:solidFill>
-                  <a:schemeClr val="bg1"/>
-                </a:solidFill>
-                <a:latin typeface="Helvetica Bold" panose="00000500000000000000" pitchFamily="50" charset="0"/>
-                <a:ea typeface="Helvetica Bold" panose="00000500000000000000" pitchFamily="50" charset="0"/>
-                <a:cs typeface="Arial" panose="020B0604020202020204" pitchFamily="34" charset="0"/>
-                <a:hlinkClick r:id="rId2" action="ppaction://hlinkfile">
-                  <a:extLst>
-                    <a:ext uri="{A12FA001-AC4F-418D-AE19-62706E023703}">
-                      <ahyp:hlinkClr xmlns:ahyp="http://schemas.microsoft.com/office/drawing/2018/hyperlinkcolor" val="tx"/>
-                    </a:ext>
-                  </a:extLst>
-                </a:hlinkClick>
-              </a:rPr>
-              <a:t>TELEGRAM</a:t>
-            </a:r>
-            <a:r>
-              <a:rPr lang="ru-RU" dirty="0">
-                <a:solidFill>
-                  <a:schemeClr val="bg1"/>
-                </a:solidFill>
-                <a:latin typeface="Helvetica Bold" panose="00000500000000000000" pitchFamily="50" charset="0"/>
-                <a:ea typeface="Helvetica Bold" panose="00000500000000000000" pitchFamily="50" charset="0"/>
-                <a:cs typeface="Arial" panose="020B0604020202020204" pitchFamily="34" charset="0"/>
-              </a:rPr>
-              <a:t> </a:t>
-            </a:r>
-          </a:p>
-          <a:p>
-            <a:pPr>
-              <a:lnSpc>
-                <a:spcPct val="130000"/>
-              </a:lnSpc>
-            </a:pPr>
-            <a:r>
-              <a:rPr lang="ru-RU" dirty="0">
-                <a:solidFill>
-                  <a:schemeClr val="bg1"/>
-                </a:solidFill>
-                <a:latin typeface="Helvetica Bold" panose="00000500000000000000" pitchFamily="50" charset="0"/>
-                <a:ea typeface="Helvetica Bold" panose="00000500000000000000" pitchFamily="50" charset="0"/>
-                <a:cs typeface="Arial" panose="020B0604020202020204" pitchFamily="34" charset="0"/>
-              </a:rPr>
-              <a:t>2. </a:t>
-            </a:r>
-            <a:r>
-              <a:rPr lang="ru-RU" u="sng" dirty="0">
-                <a:solidFill>
-                  <a:schemeClr val="bg1"/>
-                </a:solidFill>
-                <a:latin typeface="Helvetica Bold" panose="00000500000000000000" pitchFamily="50" charset="0"/>
-                <a:ea typeface="Helvetica Bold" panose="00000500000000000000" pitchFamily="50" charset="0"/>
-                <a:cs typeface="Arial" panose="020B0604020202020204" pitchFamily="34" charset="0"/>
-                <a:hlinkClick r:id="rId3" action="ppaction://hlinkfile">
-                  <a:extLst>
-                    <a:ext uri="{A12FA001-AC4F-418D-AE19-62706E023703}">
-                      <ahyp:hlinkClr xmlns:ahyp="http://schemas.microsoft.com/office/drawing/2018/hyperlinkcolor" val="tx"/>
-                    </a:ext>
-                  </a:extLst>
-                </a:hlinkClick>
-              </a:rPr>
-              <a:t>ПРЕИМУЩЕСТВА TELEGRAM ПЕРЕД ДРУГИМИ</a:t>
-            </a:r>
-            <a:endParaRPr lang="ru-RU" dirty="0">
-              <a:solidFill>
-                <a:schemeClr val="bg1"/>
-              </a:solidFill>
-              <a:latin typeface="Helvetica Bold" panose="00000500000000000000" pitchFamily="50" charset="0"/>
-              <a:ea typeface="Helvetica Bold" panose="00000500000000000000" pitchFamily="50" charset="0"/>
-              <a:cs typeface="Arial" panose="020B0604020202020204" pitchFamily="34" charset="0"/>
-            </a:endParaRPr>
-          </a:p>
-          <a:p>
-            <a:pPr>
-              <a:lnSpc>
-                <a:spcPct val="130000"/>
-              </a:lnSpc>
-            </a:pPr>
-            <a:r>
-              <a:rPr lang="ru-RU" u="sng" dirty="0">
-                <a:solidFill>
-                  <a:schemeClr val="bg1"/>
-                </a:solidFill>
-                <a:latin typeface="Helvetica Bold" panose="00000500000000000000" pitchFamily="50" charset="0"/>
-                <a:ea typeface="Helvetica Bold" panose="00000500000000000000" pitchFamily="50" charset="0"/>
-                <a:cs typeface="Arial" panose="020B0604020202020204" pitchFamily="34" charset="0"/>
-                <a:hlinkClick r:id="rId3" action="ppaction://hlinkfile">
-                  <a:extLst>
-                    <a:ext uri="{A12FA001-AC4F-418D-AE19-62706E023703}">
-                      <ahyp:hlinkClr xmlns:ahyp="http://schemas.microsoft.com/office/drawing/2018/hyperlinkcolor" val="tx"/>
-                    </a:ext>
-                  </a:extLst>
-                </a:hlinkClick>
-              </a:rPr>
-              <a:t>ПОПУЛЯРНЫМИ ИНТЕРНЕТ-МЕССЕНДЖЕРАМИ</a:t>
-            </a:r>
-            <a:r>
-              <a:rPr lang="ru-RU" dirty="0">
-                <a:solidFill>
-                  <a:schemeClr val="bg1"/>
-                </a:solidFill>
-                <a:latin typeface="Helvetica Bold" panose="00000500000000000000" pitchFamily="50" charset="0"/>
-                <a:ea typeface="Helvetica Bold" panose="00000500000000000000" pitchFamily="50" charset="0"/>
-                <a:cs typeface="Arial" panose="020B0604020202020204" pitchFamily="34" charset="0"/>
-              </a:rPr>
-              <a:t> </a:t>
-            </a:r>
-          </a:p>
-          <a:p>
-            <a:pPr>
-              <a:lnSpc>
-                <a:spcPct val="130000"/>
-              </a:lnSpc>
-            </a:pPr>
-            <a:r>
-              <a:rPr lang="ru-RU" dirty="0">
-                <a:solidFill>
-                  <a:schemeClr val="bg1"/>
-                </a:solidFill>
-                <a:latin typeface="Helvetica Bold" panose="00000500000000000000" pitchFamily="50" charset="0"/>
-                <a:ea typeface="Helvetica Bold" panose="00000500000000000000" pitchFamily="50" charset="0"/>
-                <a:cs typeface="Arial" panose="020B0604020202020204" pitchFamily="34" charset="0"/>
-              </a:rPr>
-              <a:t>3. </a:t>
-            </a:r>
-            <a:r>
-              <a:rPr lang="ru-RU" u="sng" dirty="0">
-                <a:solidFill>
-                  <a:schemeClr val="bg1"/>
-                </a:solidFill>
-                <a:latin typeface="Helvetica Bold" panose="00000500000000000000" pitchFamily="50" charset="0"/>
-                <a:ea typeface="Helvetica Bold" panose="00000500000000000000" pitchFamily="50" charset="0"/>
-                <a:cs typeface="Arial" panose="020B0604020202020204" pitchFamily="34" charset="0"/>
-              </a:rPr>
-              <a:t>ТЕХНИЧЕСКИЕ ОСОБЕННОСТИ СОЗДАНИЯ ТЕЛЕГРАММ-БОТА </a:t>
-            </a:r>
-            <a:r>
-              <a:rPr lang="ru-RU" u="sng" dirty="0" err="1">
-                <a:solidFill>
-                  <a:schemeClr val="bg1"/>
-                </a:solidFill>
-                <a:latin typeface="Helvetica Bold" panose="00000500000000000000" pitchFamily="50" charset="0"/>
-                <a:ea typeface="Helvetica Bold" panose="00000500000000000000" pitchFamily="50" charset="0"/>
-                <a:cs typeface="Arial" panose="020B0604020202020204" pitchFamily="34" charset="0"/>
-              </a:rPr>
-              <a:t>GameGuessTownBot</a:t>
-            </a:r>
-            <a:endParaRPr lang="ru-RU" dirty="0">
-              <a:solidFill>
-                <a:schemeClr val="bg1"/>
-              </a:solidFill>
-              <a:latin typeface="Helvetica Bold" panose="00000500000000000000" pitchFamily="50" charset="0"/>
-              <a:ea typeface="Helvetica Bold" panose="00000500000000000000" pitchFamily="50" charset="0"/>
-              <a:cs typeface="Arial" panose="020B0604020202020204" pitchFamily="34" charset="0"/>
-            </a:endParaRPr>
-          </a:p>
-          <a:p>
-            <a:pPr>
-              <a:lnSpc>
-                <a:spcPct val="130000"/>
-              </a:lnSpc>
-            </a:pPr>
-            <a:r>
-              <a:rPr lang="ru-RU" dirty="0">
-                <a:solidFill>
-                  <a:schemeClr val="bg1"/>
-                </a:solidFill>
-                <a:latin typeface="Helvetica Bold" panose="00000500000000000000" pitchFamily="50" charset="0"/>
-                <a:ea typeface="Helvetica Bold" panose="00000500000000000000" pitchFamily="50" charset="0"/>
-                <a:cs typeface="Arial" panose="020B0604020202020204" pitchFamily="34" charset="0"/>
-              </a:rPr>
-              <a:t>4. </a:t>
-            </a:r>
-            <a:r>
-              <a:rPr lang="ru-RU" u="sng" dirty="0">
-                <a:solidFill>
-                  <a:schemeClr val="bg1"/>
-                </a:solidFill>
-                <a:latin typeface="Helvetica Bold" panose="00000500000000000000" pitchFamily="50" charset="0"/>
-                <a:ea typeface="Helvetica Bold" panose="00000500000000000000" pitchFamily="50" charset="0"/>
-                <a:cs typeface="Arial" panose="020B0604020202020204" pitchFamily="34" charset="0"/>
-              </a:rPr>
-              <a:t>ПРАКТИЧЕСКОЕ ПРИМЕНЕНИЕ TELEGRAM-БОТА </a:t>
-            </a:r>
-            <a:r>
-              <a:rPr lang="ru-RU" u="sng" dirty="0" err="1">
-                <a:solidFill>
-                  <a:schemeClr val="bg1"/>
-                </a:solidFill>
-                <a:latin typeface="Helvetica Bold" panose="00000500000000000000" pitchFamily="50" charset="0"/>
-                <a:ea typeface="Helvetica Bold" panose="00000500000000000000" pitchFamily="50" charset="0"/>
-                <a:cs typeface="Arial" panose="020B0604020202020204" pitchFamily="34" charset="0"/>
-              </a:rPr>
-              <a:t>GameGuessTownBot</a:t>
-            </a:r>
-            <a:endParaRPr lang="ru-RU" dirty="0">
-              <a:solidFill>
-                <a:schemeClr val="bg1"/>
-              </a:solidFill>
-              <a:latin typeface="Helvetica Bold" panose="00000500000000000000" pitchFamily="50" charset="0"/>
-              <a:ea typeface="Helvetica Bold" panose="00000500000000000000" pitchFamily="50" charset="0"/>
-              <a:cs typeface="Arial" panose="020B0604020202020204" pitchFamily="34" charset="0"/>
-            </a:endParaRPr>
-          </a:p>
-          <a:p>
-            <a:pPr>
-              <a:lnSpc>
-                <a:spcPct val="130000"/>
-              </a:lnSpc>
-            </a:pPr>
-            <a:r>
-              <a:rPr lang="ru-RU" dirty="0">
-                <a:solidFill>
-                  <a:schemeClr val="bg1"/>
-                </a:solidFill>
-                <a:latin typeface="Helvetica Bold" panose="00000500000000000000" pitchFamily="50" charset="0"/>
-                <a:ea typeface="Helvetica Bold" panose="00000500000000000000" pitchFamily="50" charset="0"/>
-                <a:cs typeface="Arial" panose="020B0604020202020204" pitchFamily="34" charset="0"/>
-              </a:rPr>
-              <a:t>5. </a:t>
-            </a:r>
-            <a:r>
-              <a:rPr lang="ru-RU" u="sng" dirty="0">
-                <a:solidFill>
-                  <a:schemeClr val="bg1"/>
-                </a:solidFill>
-                <a:latin typeface="Helvetica Bold" panose="00000500000000000000" pitchFamily="50" charset="0"/>
-                <a:ea typeface="Helvetica Bold" panose="00000500000000000000" pitchFamily="50" charset="0"/>
-                <a:cs typeface="Arial" panose="020B0604020202020204" pitchFamily="34" charset="0"/>
-                <a:hlinkClick r:id="rId4" action="ppaction://hlinkfile">
-                  <a:extLst>
-                    <a:ext uri="{A12FA001-AC4F-418D-AE19-62706E023703}">
-                      <ahyp:hlinkClr xmlns:ahyp="http://schemas.microsoft.com/office/drawing/2018/hyperlinkcolor" val="tx"/>
-                    </a:ext>
-                  </a:extLst>
-                </a:hlinkClick>
-              </a:rPr>
-              <a:t>ЗАКЛЮЧЕНИЕ</a:t>
-            </a:r>
-            <a:r>
-              <a:rPr lang="ru-RU" dirty="0">
-                <a:solidFill>
-                  <a:schemeClr val="bg1"/>
-                </a:solidFill>
-                <a:latin typeface="Helvetica Bold" panose="00000500000000000000" pitchFamily="50" charset="0"/>
-                <a:ea typeface="Helvetica Bold" panose="00000500000000000000" pitchFamily="50" charset="0"/>
-                <a:cs typeface="Arial" panose="020B0604020202020204" pitchFamily="34" charset="0"/>
-              </a:rPr>
-              <a:t> </a:t>
-            </a:r>
-          </a:p>
-          <a:p>
-            <a:pPr>
-              <a:lnSpc>
-                <a:spcPct val="130000"/>
-              </a:lnSpc>
-            </a:pPr>
-            <a:r>
-              <a:rPr lang="ru-RU" u="sng" dirty="0">
-                <a:solidFill>
-                  <a:schemeClr val="bg1"/>
-                </a:solidFill>
-                <a:latin typeface="Helvetica Bold" panose="00000500000000000000" pitchFamily="50" charset="0"/>
-                <a:ea typeface="Helvetica Bold" panose="00000500000000000000" pitchFamily="50" charset="0"/>
-                <a:cs typeface="Arial" panose="020B0604020202020204" pitchFamily="34" charset="0"/>
-                <a:hlinkClick r:id="rId5" action="ppaction://hlinkfile">
-                  <a:extLst>
-                    <a:ext uri="{A12FA001-AC4F-418D-AE19-62706E023703}">
-                      <ahyp:hlinkClr xmlns:ahyp="http://schemas.microsoft.com/office/drawing/2018/hyperlinkcolor" val="tx"/>
-                    </a:ext>
-                  </a:extLst>
-                </a:hlinkClick>
-              </a:rPr>
-              <a:t>СПИСОК ИСПОЛЬЗУЕМЫХ ИСТОЧНИКОВ</a:t>
-            </a:r>
-            <a:r>
-              <a:rPr lang="ru-RU" dirty="0">
-                <a:solidFill>
-                  <a:schemeClr val="bg1"/>
-                </a:solidFill>
-                <a:latin typeface="Helvetica Bold" panose="00000500000000000000" pitchFamily="50" charset="0"/>
-                <a:ea typeface="Helvetica Bold" panose="00000500000000000000" pitchFamily="50" charset="0"/>
-                <a:cs typeface="Arial" panose="020B0604020202020204" pitchFamily="34" charset="0"/>
-              </a:rPr>
-              <a:t> </a:t>
-            </a:r>
-          </a:p>
-        </p:txBody>
-      </p:sp>
+        </p:txBody>
+      </p:sp>
+      <p:pic>
+        <p:nvPicPr>
+          <p:cNvPr id="5" name="Рисунок 4">
+            <a:extLst>
+              <a:ext uri="{FF2B5EF4-FFF2-40B4-BE49-F238E27FC236}">
+                <a16:creationId xmlns:a16="http://schemas.microsoft.com/office/drawing/2014/main" id="{30DD7E23-DCFF-4618-8194-52CB5DF71F85}"/>
+              </a:ext>
+            </a:extLst>
+          </p:cNvPr>
+          <p:cNvPicPr>
+            <a:picLocks noChangeAspect="1"/>
+          </p:cNvPicPr>
+          <p:nvPr/>
+        </p:nvPicPr>
+        <p:blipFill>
+          <a:blip r:embed="rId2">
+            <a:extLst>
+              <a:ext uri="{28A0092B-C50C-407E-A947-70E740481C1C}">
+                <a14:useLocalDpi xmlns:a14="http://schemas.microsoft.com/office/drawing/2010/main" val="0"/>
+              </a:ext>
+            </a:extLst>
+          </a:blip>
+          <a:stretch>
+            <a:fillRect/>
+          </a:stretch>
+        </p:blipFill>
+        <p:spPr>
+          <a:xfrm>
+            <a:off x="5933243" y="1825625"/>
+            <a:ext cx="4648200" cy="4648200"/>
+          </a:xfrm>
+          <a:prstGeom prst="rect">
+            <a:avLst/>
+          </a:prstGeom>
+        </p:spPr>
+      </p:pic>
     </p:spTree>
     <p:extLst>
       <p:ext uri="{BB962C8B-B14F-4D97-AF65-F5344CB8AC3E}">
-        <p14:creationId xmlns:p14="http://schemas.microsoft.com/office/powerpoint/2010/main" val="3889401148"/>
+        <p14:creationId xmlns:p14="http://schemas.microsoft.com/office/powerpoint/2010/main" val="1319824415"/>
       </p:ext>
     </p:extLst>
   </p:cSld>
@@ -3960,9 +3761,16 @@
             <p:ph type="title"/>
           </p:nvPr>
         </p:nvSpPr>
-        <p:spPr/>
-        <p:txBody>
-          <a:bodyPr/>
+        <p:spPr>
+          <a:xfrm>
+            <a:off x="838200" y="365125"/>
+            <a:ext cx="11016916" cy="1325563"/>
+          </a:xfrm>
+        </p:spPr>
+        <p:txBody>
+          <a:bodyPr>
+            <a:noAutofit/>
+          </a:bodyPr>
           <a:lstStyle/>
           <a:p>
             <a:pPr algn="ctr"/>
@@ -3973,7 +3781,24 @@
                 </a:solidFill>
                 <a:latin typeface="Arial Black" panose="020B0A04020102020204" pitchFamily="34" charset="0"/>
               </a:rPr>
-              <a:t>Использованные технологии</a:t>
+              <a:t>ПРЕИМУЩЕСТВА TELEGRAM ПЕРЕД ДРУГИМИ</a:t>
+            </a:r>
+            <a:br>
+              <a:rPr lang="ru-RU" dirty="0">
+                <a:solidFill>
+                  <a:schemeClr val="bg1"/>
+                </a:solidFill>
+                <a:latin typeface="Arial Black" panose="020B0A04020102020204" pitchFamily="34" charset="0"/>
+              </a:rPr>
+            </a:br>
+            <a:r>
+              <a:rPr lang="ru-RU" dirty="0">
+                <a:solidFill>
+                  <a:schemeClr val="bg1"/>
+                </a:solidFill>
+                <a:latin typeface="Arial Black" panose="020B0A04020102020204" pitchFamily="34" charset="0"/>
+              </a:rPr>
+              <a:t>ИНТЕРНЕТ-МЕССЕНДЖЕРАМИ</a:t>
             </a:r>
           </a:p>
         </p:txBody>
@@ -3994,64 +3819,34 @@
             <p:ph idx="1"/>
           </p:nvPr>
         </p:nvSpPr>
-        <p:spPr/>
-        <p:txBody>
-          <a:bodyPr/>
-          <a:lstStyle/>
-          <a:p>
-            <a:pPr>
+        <p:spPr>
+          <a:xfrm>
+            <a:off x="292770" y="1989157"/>
+            <a:ext cx="4471736" cy="4716463"/>
+          </a:xfrm>
+        </p:spPr>
+        <p:txBody>
+          <a:bodyPr>
+            <a:normAutofit fontScale="85000" lnSpcReduction="10000"/>
+          </a:bodyPr>
+          <a:lstStyle/>
+          <a:p>
+            <a:pPr marL="0" indent="0">
               <a:lnSpc>
                 <a:spcPct val="150000"/>
               </a:lnSpc>
+              <a:buNone/>
             </a:pPr>
             <a:r>
-              <a:rPr lang="en-US" dirty="0" err="1">
+              <a:rPr lang="ru-RU" dirty="0">
                 <a:solidFill>
                   <a:schemeClr val="bg1"/>
                 </a:solidFill>
                 <a:latin typeface="Arial Black" panose="020B0A04020102020204" pitchFamily="34" charset="0"/>
                 <a:cs typeface="Arial" panose="020B0604020202020204" pitchFamily="34" charset="0"/>
               </a:rPr>
-              <a:t>SQLAlchemy</a:t>
-            </a:r>
-            <a:endParaRPr lang="en-US" dirty="0">
-              <a:solidFill>
-                <a:schemeClr val="bg1"/>
-              </a:solidFill>
-              <a:latin typeface="Arial Black" panose="020B0A04020102020204" pitchFamily="34" charset="0"/>
-              <a:cs typeface="Arial" panose="020B0604020202020204" pitchFamily="34" charset="0"/>
-            </a:endParaRPr>
-          </a:p>
-          <a:p>
-            <a:pPr>
-              <a:lnSpc>
-                <a:spcPct val="150000"/>
-              </a:lnSpc>
-            </a:pPr>
-            <a:r>
-              <a:rPr lang="en-US" dirty="0" err="1">
-                <a:solidFill>
-                  <a:schemeClr val="bg1"/>
-                </a:solidFill>
-                <a:latin typeface="Arial Black" panose="020B0A04020102020204" pitchFamily="34" charset="0"/>
-                <a:cs typeface="Arial" panose="020B0604020202020204" pitchFamily="34" charset="0"/>
-              </a:rPr>
-              <a:t>Python_telegram_bot</a:t>
-            </a:r>
-            <a:endParaRPr lang="en-US" dirty="0">
-              <a:solidFill>
-                <a:schemeClr val="bg1"/>
-              </a:solidFill>
-              <a:latin typeface="Arial Black" panose="020B0A04020102020204" pitchFamily="34" charset="0"/>
-              <a:cs typeface="Arial" panose="020B0604020202020204" pitchFamily="34" charset="0"/>
-            </a:endParaRPr>
-          </a:p>
-          <a:p>
-            <a:pPr>
-              <a:lnSpc>
-                <a:spcPct val="150000"/>
-              </a:lnSpc>
-            </a:pPr>
+              <a:t>Различия</a:t>
+            </a:r>
             <a:r>
               <a:rPr lang="en-US" dirty="0">
                 <a:solidFill>
@@ -4060,7 +3855,7 @@
                 <a:latin typeface="Arial Black" panose="020B0A04020102020204" pitchFamily="34" charset="0"/>
                 <a:cs typeface="Arial" panose="020B0604020202020204" pitchFamily="34" charset="0"/>
               </a:rPr>
-              <a:t>Requests</a:t>
+              <a:t>:</a:t>
             </a:r>
           </a:p>
           <a:p>
@@ -4070,15 +3865,73 @@
               </a:lnSpc>
             </a:pPr>
             <a:r>
-              <a:rPr lang="en-US" dirty="0">
+              <a:rPr lang="ru-RU" dirty="0">
                 <a:solidFill>
                   <a:schemeClr val="bg1"/>
                 </a:solidFill>
                 <a:latin typeface="Arial Black" panose="020B0A04020102020204" pitchFamily="34" charset="0"/>
                 <a:cs typeface="Arial" panose="020B0604020202020204" pitchFamily="34" charset="0"/>
               </a:rPr>
-              <a:t>BeatifulSoup4</a:t>
-            </a:r>
+              <a:t>Создание секретного           чата</a:t>
+            </a:r>
+          </a:p>
+          <a:p>
+            <a:pPr>
+              <a:lnSpc>
+                <a:spcPct val="150000"/>
+              </a:lnSpc>
+            </a:pPr>
+            <a:r>
+              <a:rPr lang="ru-RU" dirty="0">
+                <a:solidFill>
+                  <a:schemeClr val="bg1"/>
+                </a:solidFill>
+                <a:latin typeface="Arial Black" panose="020B0A04020102020204" pitchFamily="34" charset="0"/>
+                <a:cs typeface="Arial" panose="020B0604020202020204" pitchFamily="34" charset="0"/>
+              </a:rPr>
+              <a:t>Файлы большего            размера</a:t>
+            </a:r>
+          </a:p>
+          <a:p>
+            <a:pPr>
+              <a:lnSpc>
+                <a:spcPct val="150000"/>
+              </a:lnSpc>
+            </a:pPr>
+            <a:r>
+              <a:rPr lang="ru-RU" dirty="0">
+                <a:solidFill>
+                  <a:schemeClr val="bg1"/>
+                </a:solidFill>
+                <a:latin typeface="Arial Black" panose="020B0A04020102020204" pitchFamily="34" charset="0"/>
+                <a:cs typeface="Arial" panose="020B0604020202020204" pitchFamily="34" charset="0"/>
+              </a:rPr>
+              <a:t>Надежная защита</a:t>
+            </a:r>
+          </a:p>
+          <a:p>
+            <a:pPr>
+              <a:lnSpc>
+                <a:spcPct val="150000"/>
+              </a:lnSpc>
+            </a:pPr>
+            <a:r>
+              <a:rPr lang="ru-RU" dirty="0">
+                <a:solidFill>
+                  <a:schemeClr val="bg1"/>
+                </a:solidFill>
+                <a:latin typeface="Arial Black" panose="020B0A04020102020204" pitchFamily="34" charset="0"/>
+                <a:cs typeface="Arial" panose="020B0604020202020204" pitchFamily="34" charset="0"/>
+              </a:rPr>
+              <a:t>Одновременное  использование</a:t>
+            </a:r>
+          </a:p>
+          <a:p>
+            <a:pPr>
+              <a:lnSpc>
+                <a:spcPct val="150000"/>
+              </a:lnSpc>
+            </a:pPr>
             <a:endParaRPr lang="ru-RU" dirty="0">
               <a:solidFill>
                 <a:schemeClr val="bg1"/>
@@ -4087,12 +3940,93 @@
               <a:cs typeface="Arial" panose="020B0604020202020204" pitchFamily="34" charset="0"/>
             </a:endParaRPr>
           </a:p>
-        </p:txBody>
-      </p:sp>
+          <a:p>
+            <a:endParaRPr lang="ru-RU" dirty="0">
+              <a:solidFill>
+                <a:schemeClr val="bg1"/>
+              </a:solidFill>
+              <a:latin typeface="Arial Black" panose="020B0A04020102020204" pitchFamily="34" charset="0"/>
+              <a:cs typeface="Arial" panose="020B0604020202020204" pitchFamily="34" charset="0"/>
+            </a:endParaRPr>
+          </a:p>
+        </p:txBody>
+      </p:sp>
+      <p:pic>
+        <p:nvPicPr>
+          <p:cNvPr id="7" name="Рисунок 6">
+            <a:extLst>
+              <a:ext uri="{FF2B5EF4-FFF2-40B4-BE49-F238E27FC236}">
+                <a16:creationId xmlns:a16="http://schemas.microsoft.com/office/drawing/2014/main" id="{2E52AFC0-D24D-4775-9020-EA803CBF950A}"/>
+              </a:ext>
+            </a:extLst>
+          </p:cNvPr>
+          <p:cNvPicPr>
+            <a:picLocks noChangeAspect="1"/>
+          </p:cNvPicPr>
+          <p:nvPr/>
+        </p:nvPicPr>
+        <p:blipFill>
+          <a:blip r:embed="rId2">
+            <a:extLst>
+              <a:ext uri="{28A0092B-C50C-407E-A947-70E740481C1C}">
+                <a14:useLocalDpi xmlns:a14="http://schemas.microsoft.com/office/drawing/2010/main" val="0"/>
+              </a:ext>
+            </a:extLst>
+          </a:blip>
+          <a:stretch>
+            <a:fillRect/>
+          </a:stretch>
+        </p:blipFill>
+        <p:spPr>
+          <a:xfrm>
+            <a:off x="4764506" y="2662946"/>
+            <a:ext cx="3368886" cy="3368886"/>
+          </a:xfrm>
+          <a:prstGeom prst="rect">
+            <a:avLst/>
+          </a:prstGeom>
+        </p:spPr>
+      </p:pic>
+      <p:pic>
+        <p:nvPicPr>
+          <p:cNvPr id="9" name="Рисунок 8">
+            <a:extLst>
+              <a:ext uri="{FF2B5EF4-FFF2-40B4-BE49-F238E27FC236}">
+                <a16:creationId xmlns:a16="http://schemas.microsoft.com/office/drawing/2014/main" id="{1AB53098-7726-4D5D-A1F7-145D5B312263}"/>
+              </a:ext>
+            </a:extLst>
+          </p:cNvPr>
+          <p:cNvPicPr>
+            <a:picLocks noChangeAspect="1"/>
+          </p:cNvPicPr>
+          <p:nvPr/>
+        </p:nvPicPr>
+        <p:blipFill>
+          <a:blip r:embed="rId3">
+            <a:extLst>
+              <a:ext uri="{28A0092B-C50C-407E-A947-70E740481C1C}">
+                <a14:useLocalDpi xmlns:a14="http://schemas.microsoft.com/office/drawing/2010/main" val="0"/>
+              </a:ext>
+            </a:extLst>
+          </a:blip>
+          <a:stretch>
+            <a:fillRect/>
+          </a:stretch>
+        </p:blipFill>
+        <p:spPr>
+          <a:xfrm>
+            <a:off x="8710821" y="2662946"/>
+            <a:ext cx="3368886" cy="3368886"/>
+          </a:xfrm>
+          <a:prstGeom prst="rect">
+            <a:avLst/>
+          </a:prstGeom>
+        </p:spPr>
+      </p:pic>
     </p:spTree>
     <p:extLst>
       <p:ext uri="{BB962C8B-B14F-4D97-AF65-F5344CB8AC3E}">
-        <p14:creationId xmlns:p14="http://schemas.microsoft.com/office/powerpoint/2010/main" val="1319824415"/>
+        <p14:creationId xmlns:p14="http://schemas.microsoft.com/office/powerpoint/2010/main" val="3434893953"/>
       </p:ext>
     </p:extLst>
   </p:cSld>
@@ -4148,7 +4082,7 @@
                 </a:solidFill>
                 <a:latin typeface="Arial Black" panose="020B0A04020102020204" pitchFamily="34" charset="0"/>
               </a:rPr>
-              <a:t>Заключение</a:t>
+              <a:t>ТЕХНИЧЕСКИЕ ОСОБЕННОСТИ</a:t>
             </a:r>
           </a:p>
         </p:txBody>
@@ -4158,7 +4092,7 @@
           <p:cNvPr id="3" name="Объект 2">
             <a:extLst>
               <a:ext uri="{FF2B5EF4-FFF2-40B4-BE49-F238E27FC236}">
-                <a16:creationId xmlns:a16="http://schemas.microsoft.com/office/drawing/2014/main" id="{79DEA6E9-12C7-46B6-A17C-DA73CD10448F}"/>
+                <a16:creationId xmlns:a16="http://schemas.microsoft.com/office/drawing/2014/main" id="{40035EDD-C9EE-463B-9C4F-DCDE044CF71D}"/>
               </a:ext>
             </a:extLst>
           </p:cNvPr>
@@ -4169,15 +4103,17 @@
             <p:ph idx="1"/>
           </p:nvPr>
         </p:nvSpPr>
-        <p:spPr/>
-        <p:txBody>
-          <a:bodyPr/>
-          <a:lstStyle/>
-          <a:p>
-            <a:pPr marL="0" indent="0">
-              <a:lnSpc>
-                <a:spcPct val="150000"/>
-              </a:lnSpc>
+        <p:spPr>
+          <a:xfrm>
+            <a:off x="838200" y="1825625"/>
+            <a:ext cx="10515600" cy="676943"/>
+          </a:xfrm>
+        </p:spPr>
+        <p:txBody>
+          <a:bodyPr/>
+          <a:lstStyle/>
+          <a:p>
+            <a:pPr marL="0" indent="0" algn="ctr">
               <a:buNone/>
             </a:pPr>
             <a:r>
@@ -4186,29 +4122,8 @@
                   <a:schemeClr val="bg1"/>
                 </a:solidFill>
                 <a:latin typeface="Arial Black" panose="020B0A04020102020204" pitchFamily="34" charset="0"/>
-                <a:cs typeface="Arial" panose="020B0604020202020204" pitchFamily="34" charset="0"/>
               </a:rPr>
-              <a:t>Создание </a:t>
-            </a:r>
-            <a:r>
-              <a:rPr lang="ru-RU" dirty="0" err="1">
-                <a:solidFill>
-                  <a:schemeClr val="bg1"/>
-                </a:solidFill>
-                <a:latin typeface="Arial Black" panose="020B0A04020102020204" pitchFamily="34" charset="0"/>
-                <a:cs typeface="Arial" panose="020B0604020202020204" pitchFamily="34" charset="0"/>
-              </a:rPr>
-              <a:t>телеграм</a:t>
-            </a:r>
-            <a:r>
-              <a:rPr lang="ru-RU" dirty="0">
-                <a:solidFill>
-                  <a:schemeClr val="bg1"/>
-                </a:solidFill>
-                <a:latin typeface="Arial Black" panose="020B0A04020102020204" pitchFamily="34" charset="0"/>
-                <a:cs typeface="Arial" panose="020B0604020202020204" pitchFamily="34" charset="0"/>
-              </a:rPr>
-              <a:t> бота</a:t>
+              <a:t>ЯП – </a:t>
             </a:r>
             <a:r>
               <a:rPr lang="en-US" dirty="0">
@@ -4216,124 +4131,111 @@
                   <a:schemeClr val="bg1"/>
                 </a:solidFill>
                 <a:latin typeface="Arial Black" panose="020B0A04020102020204" pitchFamily="34" charset="0"/>
-                <a:cs typeface="Arial" panose="020B0604020202020204" pitchFamily="34" charset="0"/>
               </a:rPr>
-              <a:t> </a:t>
-            </a:r>
-            <a:r>
-              <a:rPr lang="ru-RU" dirty="0">
+              <a:t>Python IDE – JetBrains </a:t>
+            </a:r>
+            <a:r>
+              <a:rPr lang="en-US" dirty="0" err="1">
                 <a:solidFill>
                   <a:schemeClr val="bg1"/>
                 </a:solidFill>
                 <a:latin typeface="Arial Black" panose="020B0A04020102020204" pitchFamily="34" charset="0"/>
-                <a:cs typeface="Arial" panose="020B0604020202020204" pitchFamily="34" charset="0"/>
               </a:rPr>
-              <a:t>с </a:t>
-            </a:r>
-            <a:r>
-              <a:rPr lang="ru-RU" dirty="0" err="1">
-                <a:solidFill>
-                  <a:schemeClr val="bg1"/>
-                </a:solidFill>
-                <a:latin typeface="Arial Black" panose="020B0A04020102020204" pitchFamily="34" charset="0"/>
-                <a:cs typeface="Arial" panose="020B0604020202020204" pitchFamily="34" charset="0"/>
-              </a:rPr>
-              <a:t>возможностьями</a:t>
-            </a:r>
-            <a:r>
-              <a:rPr lang="en-US" dirty="0">
-                <a:solidFill>
-                  <a:schemeClr val="bg1"/>
-                </a:solidFill>
-                <a:latin typeface="Arial Black" panose="020B0A04020102020204" pitchFamily="34" charset="0"/>
-                <a:cs typeface="Arial" panose="020B0604020202020204" pitchFamily="34" charset="0"/>
-              </a:rPr>
-              <a:t> :</a:t>
-            </a:r>
-          </a:p>
-          <a:p>
-            <a:pPr>
-              <a:lnSpc>
-                <a:spcPct val="150000"/>
-              </a:lnSpc>
-            </a:pPr>
-            <a:r>
-              <a:rPr lang="ru-RU" dirty="0">
-                <a:solidFill>
-                  <a:schemeClr val="bg1"/>
-                </a:solidFill>
-                <a:latin typeface="Arial Black" panose="020B0A04020102020204" pitchFamily="34" charset="0"/>
-                <a:cs typeface="Arial" panose="020B0604020202020204" pitchFamily="34" charset="0"/>
-              </a:rPr>
-              <a:t>Игры с пользователем</a:t>
-            </a:r>
-          </a:p>
-          <a:p>
-            <a:pPr>
-              <a:lnSpc>
-                <a:spcPct val="150000"/>
-              </a:lnSpc>
-            </a:pPr>
-            <a:r>
-              <a:rPr lang="ru-RU" dirty="0">
-                <a:solidFill>
-                  <a:schemeClr val="bg1"/>
-                </a:solidFill>
-                <a:latin typeface="Arial Black" panose="020B0A04020102020204" pitchFamily="34" charset="0"/>
-                <a:cs typeface="Arial" panose="020B0604020202020204" pitchFamily="34" charset="0"/>
-              </a:rPr>
-              <a:t>Сохранением и использованием информации о пользователе</a:t>
-            </a:r>
-          </a:p>
-          <a:p>
-            <a:pPr>
-              <a:lnSpc>
-                <a:spcPct val="150000"/>
-              </a:lnSpc>
-            </a:pPr>
-            <a:r>
-              <a:rPr lang="ru-RU" dirty="0">
-                <a:solidFill>
-                  <a:schemeClr val="bg1"/>
-                </a:solidFill>
-                <a:latin typeface="Arial Black" panose="020B0A04020102020204" pitchFamily="34" charset="0"/>
-                <a:cs typeface="Arial" panose="020B0604020202020204" pitchFamily="34" charset="0"/>
-              </a:rPr>
-              <a:t>Работы </a:t>
-            </a:r>
-            <a:r>
-              <a:rPr lang="ru-RU">
-                <a:solidFill>
-                  <a:schemeClr val="bg1"/>
-                </a:solidFill>
-                <a:latin typeface="Arial Black" panose="020B0A04020102020204" pitchFamily="34" charset="0"/>
-                <a:cs typeface="Arial" panose="020B0604020202020204" pitchFamily="34" charset="0"/>
-              </a:rPr>
-              <a:t>с БД</a:t>
-            </a:r>
+              <a:t>Pycharm</a:t>
+            </a:r>
+            <a:endParaRPr lang="en-US" dirty="0">
+              <a:solidFill>
+                <a:schemeClr val="bg1"/>
+              </a:solidFill>
+              <a:latin typeface="Arial Black" panose="020B0A04020102020204" pitchFamily="34" charset="0"/>
+            </a:endParaRPr>
+          </a:p>
+          <a:p>
             <a:endParaRPr lang="ru-RU" dirty="0">
               <a:solidFill>
                 <a:schemeClr val="bg1"/>
               </a:solidFill>
               <a:latin typeface="Arial Black" panose="020B0A04020102020204" pitchFamily="34" charset="0"/>
-              <a:cs typeface="Arial" panose="020B0604020202020204" pitchFamily="34" charset="0"/>
             </a:endParaRPr>
           </a:p>
-          <a:p>
-            <a:endParaRPr lang="ru-RU" dirty="0">
-              <a:solidFill>
-                <a:schemeClr val="bg1"/>
-              </a:solidFill>
-              <a:latin typeface="Arial Black" panose="020B0A04020102020204" pitchFamily="34" charset="0"/>
-              <a:cs typeface="Arial" panose="020B0604020202020204" pitchFamily="34" charset="0"/>
-            </a:endParaRPr>
-          </a:p>
-        </p:txBody>
-      </p:sp>
+        </p:txBody>
+      </p:sp>
+      <p:pic>
+        <p:nvPicPr>
+          <p:cNvPr id="6" name="Рисунок 5">
+            <a:extLst>
+              <a:ext uri="{FF2B5EF4-FFF2-40B4-BE49-F238E27FC236}">
+                <a16:creationId xmlns:a16="http://schemas.microsoft.com/office/drawing/2014/main" id="{0EC01E91-C74D-48A4-B999-7334DF473BB0}"/>
+              </a:ext>
+            </a:extLst>
+          </p:cNvPr>
+          <p:cNvPicPr>
+            <a:picLocks noChangeAspect="1"/>
+          </p:cNvPicPr>
+          <p:nvPr/>
+        </p:nvPicPr>
+        <p:blipFill>
+          <a:blip r:embed="rId2">
+            <a:extLst>
+              <a:ext uri="{28A0092B-C50C-407E-A947-70E740481C1C}">
+                <a14:useLocalDpi xmlns:a14="http://schemas.microsoft.com/office/drawing/2010/main" val="0"/>
+              </a:ext>
+            </a:extLst>
+          </a:blip>
+          <a:stretch>
+            <a:fillRect/>
+          </a:stretch>
+        </p:blipFill>
+        <p:spPr>
+          <a:xfrm>
+            <a:off x="1053444" y="2637505"/>
+            <a:ext cx="4015959" cy="4015959"/>
+          </a:xfrm>
+          <a:prstGeom prst="rect">
+            <a:avLst/>
+          </a:prstGeom>
+        </p:spPr>
+      </p:pic>
+      <p:pic>
+        <p:nvPicPr>
+          <p:cNvPr id="8" name="Рисунок 7">
+            <a:extLst>
+              <a:ext uri="{FF2B5EF4-FFF2-40B4-BE49-F238E27FC236}">
+                <a16:creationId xmlns:a16="http://schemas.microsoft.com/office/drawing/2014/main" id="{2AC95125-4800-4D4C-893E-745811B4DD87}"/>
+              </a:ext>
+            </a:extLst>
+          </p:cNvPr>
+          <p:cNvPicPr>
+            <a:picLocks noChangeAspect="1"/>
+          </p:cNvPicPr>
+          <p:nvPr/>
+        </p:nvPicPr>
+        <p:blipFill>
+          <a:blip r:embed="rId3">
+            <a:extLst>
+              <a:ext uri="{28A0092B-C50C-407E-A947-70E740481C1C}">
+                <a14:useLocalDpi xmlns:a14="http://schemas.microsoft.com/office/drawing/2010/main" val="0"/>
+              </a:ext>
+            </a:extLst>
+          </a:blip>
+          <a:stretch>
+            <a:fillRect/>
+          </a:stretch>
+        </p:blipFill>
+        <p:spPr>
+          <a:xfrm>
+            <a:off x="6776368" y="2280568"/>
+            <a:ext cx="4838116" cy="4838116"/>
+          </a:xfrm>
+          <a:prstGeom prst="rect">
+            <a:avLst/>
+          </a:prstGeom>
+        </p:spPr>
+      </p:pic>
     </p:spTree>
     <p:extLst>
       <p:ext uri="{BB962C8B-B14F-4D97-AF65-F5344CB8AC3E}">
-        <p14:creationId xmlns:p14="http://schemas.microsoft.com/office/powerpoint/2010/main" val="3434893953"/>
+        <p14:creationId xmlns:p14="http://schemas.microsoft.com/office/powerpoint/2010/main" val="3649255016"/>
       </p:ext>
     </p:extLst>
   </p:cSld>
@@ -4389,17 +4291,17 @@
                 </a:solidFill>
                 <a:latin typeface="Arial Black" panose="020B0A04020102020204" pitchFamily="34" charset="0"/>
               </a:rPr>
-              <a:t>Скриншоты </a:t>
+              <a:t>Практическое применение</a:t>
             </a:r>
           </a:p>
         </p:txBody>
       </p:sp>
       <p:pic>
         <p:nvPicPr>
-          <p:cNvPr id="4" name="Рисунок 3">
-            <a:extLst>
-              <a:ext uri="{FF2B5EF4-FFF2-40B4-BE49-F238E27FC236}">
-                <a16:creationId xmlns:a16="http://schemas.microsoft.com/office/drawing/2014/main" id="{5E3645DD-1F41-46C1-9676-96AB5F894E04}"/>
+          <p:cNvPr id="7" name="Рисунок 6">
+            <a:extLst>
+              <a:ext uri="{FF2B5EF4-FFF2-40B4-BE49-F238E27FC236}">
+                <a16:creationId xmlns:a16="http://schemas.microsoft.com/office/drawing/2014/main" id="{00C295FC-658C-40AD-A7CD-19B65DD410E2}"/>
               </a:ext>
             </a:extLst>
           </p:cNvPr>
@@ -4416,8 +4318,38 @@
         </p:blipFill>
         <p:spPr>
           <a:xfrm>
-            <a:off x="2810484" y="1553212"/>
-            <a:ext cx="6571032" cy="5146142"/>
+            <a:off x="1168888" y="1670152"/>
+            <a:ext cx="3424197" cy="4822723"/>
+          </a:xfrm>
+          <a:prstGeom prst="rect">
+            <a:avLst/>
+          </a:prstGeom>
+        </p:spPr>
+      </p:pic>
+      <p:pic>
+        <p:nvPicPr>
+          <p:cNvPr id="9" name="Рисунок 8">
+            <a:extLst>
+              <a:ext uri="{FF2B5EF4-FFF2-40B4-BE49-F238E27FC236}">
+                <a16:creationId xmlns:a16="http://schemas.microsoft.com/office/drawing/2014/main" id="{9B86941D-47E3-4EAB-BB6F-D696C44E8DA3}"/>
+              </a:ext>
+            </a:extLst>
+          </p:cNvPr>
+          <p:cNvPicPr>
+            <a:picLocks noChangeAspect="1"/>
+          </p:cNvPicPr>
+          <p:nvPr/>
+        </p:nvPicPr>
+        <p:blipFill>
+          <a:blip r:embed="rId3"/>
+          <a:stretch>
+            <a:fillRect/>
+          </a:stretch>
+        </p:blipFill>
+        <p:spPr>
+          <a:xfrm>
+            <a:off x="7230588" y="1703897"/>
+            <a:ext cx="4123212" cy="4788978"/>
           </a:xfrm>
           <a:prstGeom prst="rect">
             <a:avLst/>
@@ -4427,7 +4359,131 @@
     </p:spTree>
     <p:extLst>
       <p:ext uri="{BB962C8B-B14F-4D97-AF65-F5344CB8AC3E}">
-        <p14:creationId xmlns:p14="http://schemas.microsoft.com/office/powerpoint/2010/main" val="3649255016"/>
+        <p14:creationId xmlns:p14="http://schemas.microsoft.com/office/powerpoint/2010/main" val="315305439"/>
+      </p:ext>
+    </p:extLst>
+  </p:cSld>
+  <p:clrMapOvr>
+    <a:masterClrMapping/>
+  </p:clrMapOvr>
+</p:sld>
+</file>
+
+<file path=ppt/slides/slide6.xml><?xml version="1.0" encoding="utf-8"?>
+<p:sld xmlns:a="http://schemas.openxmlformats.org/drawingml/2006/main" xmlns:r="http://schemas.openxmlformats.org/officeDocument/2006/relationships" xmlns:p="http://schemas.openxmlformats.org/presentationml/2006/main">
+  <p:cSld>
+    <p:spTree>
+      <p:nvGrpSpPr>
+        <p:cNvPr id="1" name=""/>
+        <p:cNvGrpSpPr/>
+        <p:nvPr/>
+      </p:nvGrpSpPr>
+      <p:grpSpPr>
+        <a:xfrm>
+          <a:off x="0" y="0"/>
+          <a:ext cx="0" cy="0"/>
+          <a:chOff x="0" y="0"/>
+          <a:chExt cx="0" cy="0"/>
+        </a:xfrm>
+      </p:grpSpPr>
+      <p:sp>
+        <p:nvSpPr>
+          <p:cNvPr id="2" name="Заголовок 1">
+            <a:extLst>
+              <a:ext uri="{FF2B5EF4-FFF2-40B4-BE49-F238E27FC236}">
+                <a16:creationId xmlns:a16="http://schemas.microsoft.com/office/drawing/2014/main" id="{31172967-5422-4775-92F0-8EAB330FAC36}"/>
+              </a:ext>
+            </a:extLst>
+          </p:cNvPr>
+          <p:cNvSpPr>
+            <a:spLocks noGrp="1"/>
+          </p:cNvSpPr>
+          <p:nvPr>
+            <p:ph type="title"/>
+          </p:nvPr>
+        </p:nvSpPr>
+        <p:spPr/>
+        <p:txBody>
+          <a:bodyPr/>
+          <a:lstStyle/>
+          <a:p>
+            <a:pPr algn="ctr"/>
+            <a:r>
+              <a:rPr lang="ru-RU" dirty="0">
+                <a:solidFill>
+                  <a:schemeClr val="bg1"/>
+                </a:solidFill>
+                <a:latin typeface="Arial Black" panose="020B0A04020102020204" pitchFamily="34" charset="0"/>
+              </a:rPr>
+              <a:t>Практическое применение</a:t>
+            </a:r>
+          </a:p>
+        </p:txBody>
+      </p:sp>
+      <p:pic>
+        <p:nvPicPr>
+          <p:cNvPr id="3" name="Рисунок 2">
+            <a:extLst>
+              <a:ext uri="{FF2B5EF4-FFF2-40B4-BE49-F238E27FC236}">
+                <a16:creationId xmlns:a16="http://schemas.microsoft.com/office/drawing/2014/main" id="{6A378224-6D28-40E7-9D47-83FF40D1119A}"/>
+              </a:ext>
+            </a:extLst>
+          </p:cNvPr>
+          <p:cNvPicPr>
+            <a:picLocks noChangeAspect="1"/>
+          </p:cNvPicPr>
+          <p:nvPr/>
+        </p:nvPicPr>
+        <p:blipFill>
+          <a:blip r:embed="rId2"/>
+          <a:stretch>
+            <a:fillRect/>
+          </a:stretch>
+        </p:blipFill>
+        <p:spPr>
+          <a:xfrm>
+            <a:off x="838200" y="1690688"/>
+            <a:ext cx="4049892" cy="4788978"/>
+          </a:xfrm>
+          <a:prstGeom prst="rect">
+            <a:avLst/>
+          </a:prstGeom>
+        </p:spPr>
+      </p:pic>
+      <p:pic>
+        <p:nvPicPr>
+          <p:cNvPr id="4" name="Рисунок 3">
+            <a:extLst>
+              <a:ext uri="{FF2B5EF4-FFF2-40B4-BE49-F238E27FC236}">
+                <a16:creationId xmlns:a16="http://schemas.microsoft.com/office/drawing/2014/main" id="{EBA1C36D-0F2D-4508-B89D-0BBFC40BD1C1}"/>
+              </a:ext>
+            </a:extLst>
+          </p:cNvPr>
+          <p:cNvPicPr>
+            <a:picLocks noChangeAspect="1"/>
+          </p:cNvPicPr>
+          <p:nvPr/>
+        </p:nvPicPr>
+        <p:blipFill>
+          <a:blip r:embed="rId3"/>
+          <a:stretch>
+            <a:fillRect/>
+          </a:stretch>
+        </p:blipFill>
+        <p:spPr>
+          <a:xfrm>
+            <a:off x="5742044" y="1690689"/>
+            <a:ext cx="5717454" cy="4791968"/>
+          </a:xfrm>
+          <a:prstGeom prst="rect">
+            <a:avLst/>
+          </a:prstGeom>
+        </p:spPr>
+      </p:pic>
+    </p:spTree>
+    <p:extLst>
+      <p:ext uri="{BB962C8B-B14F-4D97-AF65-F5344CB8AC3E}">
+        <p14:creationId xmlns:p14="http://schemas.microsoft.com/office/powerpoint/2010/main" val="3965447939"/>
       </p:ext>
     </p:extLst>
   </p:cSld>
